--- a/Ch10_CNN.pptx
+++ b/Ch10_CNN.pptx
@@ -3690,9 +3690,7 @@
             </a:srgbClr>
           </a:solidFill>
           <a:ln w="28575" cap="flat" cmpd="sng" algn="ctr">
-            <a:solidFill>
-              <a:schemeClr val="bg1"/>
-            </a:solidFill>
+            <a:noFill/>
             <a:prstDash val="solid"/>
             <a:round/>
             <a:headEnd type="none" w="med" len="med"/>
@@ -3748,9 +3746,7 @@
             </a:srgbClr>
           </a:solidFill>
           <a:ln w="28575" cap="flat" cmpd="sng" algn="ctr">
-            <a:solidFill>
-              <a:schemeClr val="bg1"/>
-            </a:solidFill>
+            <a:noFill/>
             <a:prstDash val="solid"/>
             <a:round/>
             <a:headEnd type="none" w="med" len="med"/>
@@ -3806,9 +3802,7 @@
             </a:srgbClr>
           </a:solidFill>
           <a:ln w="28575" cap="flat" cmpd="sng" algn="ctr">
-            <a:solidFill>
-              <a:schemeClr val="bg1"/>
-            </a:solidFill>
+            <a:noFill/>
             <a:prstDash val="solid"/>
             <a:round/>
             <a:headEnd type="none" w="med" len="med"/>
@@ -3996,6 +3990,318 @@
           </a:p>
         </p:txBody>
       </p:sp>
+      <p:cxnSp>
+        <p:nvCxnSpPr>
+          <p:cNvPr id="3" name="Straight Connector 2">
+            <a:extLst>
+              <a:ext uri="{FF2B5EF4-FFF2-40B4-BE49-F238E27FC236}">
+                <a16:creationId xmlns:a16="http://schemas.microsoft.com/office/drawing/2014/main" id="{7B7C8638-ABFC-8EEF-D3C0-18306C251063}"/>
+              </a:ext>
+            </a:extLst>
+          </p:cNvPr>
+          <p:cNvCxnSpPr>
+            <a:cxnSpLocks/>
+          </p:cNvCxnSpPr>
+          <p:nvPr/>
+        </p:nvCxnSpPr>
+        <p:spPr>
+          <a:xfrm>
+            <a:off x="5834209" y="5125461"/>
+            <a:ext cx="0" cy="720000"/>
+          </a:xfrm>
+          <a:prstGeom prst="line">
+            <a:avLst/>
+          </a:prstGeom>
+          <a:ln w="28575"/>
+        </p:spPr>
+        <p:style>
+          <a:lnRef idx="2">
+            <a:schemeClr val="dk1"/>
+          </a:lnRef>
+          <a:fillRef idx="0">
+            <a:schemeClr val="dk1"/>
+          </a:fillRef>
+          <a:effectRef idx="1">
+            <a:schemeClr val="dk1"/>
+          </a:effectRef>
+          <a:fontRef idx="minor">
+            <a:schemeClr val="tx1"/>
+          </a:fontRef>
+        </p:style>
+      </p:cxnSp>
+      <p:cxnSp>
+        <p:nvCxnSpPr>
+          <p:cNvPr id="17" name="Straight Connector 16">
+            <a:extLst>
+              <a:ext uri="{FF2B5EF4-FFF2-40B4-BE49-F238E27FC236}">
+                <a16:creationId xmlns:a16="http://schemas.microsoft.com/office/drawing/2014/main" id="{0022786D-7E9A-02C9-6871-60DCDB8238EF}"/>
+              </a:ext>
+            </a:extLst>
+          </p:cNvPr>
+          <p:cNvCxnSpPr>
+            <a:cxnSpLocks/>
+          </p:cNvCxnSpPr>
+          <p:nvPr/>
+        </p:nvCxnSpPr>
+        <p:spPr>
+          <a:xfrm>
+            <a:off x="6135900" y="5125461"/>
+            <a:ext cx="0" cy="720000"/>
+          </a:xfrm>
+          <a:prstGeom prst="line">
+            <a:avLst/>
+          </a:prstGeom>
+          <a:ln w="28575"/>
+        </p:spPr>
+        <p:style>
+          <a:lnRef idx="2">
+            <a:schemeClr val="dk1"/>
+          </a:lnRef>
+          <a:fillRef idx="0">
+            <a:schemeClr val="dk1"/>
+          </a:fillRef>
+          <a:effectRef idx="1">
+            <a:schemeClr val="dk1"/>
+          </a:effectRef>
+          <a:fontRef idx="minor">
+            <a:schemeClr val="tx1"/>
+          </a:fontRef>
+        </p:style>
+      </p:cxnSp>
+      <p:cxnSp>
+        <p:nvCxnSpPr>
+          <p:cNvPr id="19" name="Straight Connector 18">
+            <a:extLst>
+              <a:ext uri="{FF2B5EF4-FFF2-40B4-BE49-F238E27FC236}">
+                <a16:creationId xmlns:a16="http://schemas.microsoft.com/office/drawing/2014/main" id="{FB09E665-44CD-4500-C6CA-28325FE3250B}"/>
+              </a:ext>
+            </a:extLst>
+          </p:cNvPr>
+          <p:cNvCxnSpPr>
+            <a:cxnSpLocks/>
+          </p:cNvCxnSpPr>
+          <p:nvPr/>
+        </p:nvCxnSpPr>
+        <p:spPr>
+          <a:xfrm>
+            <a:off x="5695592" y="5280204"/>
+            <a:ext cx="720000" cy="0"/>
+          </a:xfrm>
+          <a:prstGeom prst="line">
+            <a:avLst/>
+          </a:prstGeom>
+          <a:ln w="28575"/>
+        </p:spPr>
+        <p:style>
+          <a:lnRef idx="2">
+            <a:schemeClr val="dk1"/>
+          </a:lnRef>
+          <a:fillRef idx="0">
+            <a:schemeClr val="dk1"/>
+          </a:fillRef>
+          <a:effectRef idx="1">
+            <a:schemeClr val="dk1"/>
+          </a:effectRef>
+          <a:fontRef idx="minor">
+            <a:schemeClr val="tx1"/>
+          </a:fontRef>
+        </p:style>
+      </p:cxnSp>
+      <p:cxnSp>
+        <p:nvCxnSpPr>
+          <p:cNvPr id="23" name="Straight Connector 22">
+            <a:extLst>
+              <a:ext uri="{FF2B5EF4-FFF2-40B4-BE49-F238E27FC236}">
+                <a16:creationId xmlns:a16="http://schemas.microsoft.com/office/drawing/2014/main" id="{942047D7-0A39-EF77-D7DD-91240D2CC3D5}"/>
+              </a:ext>
+            </a:extLst>
+          </p:cNvPr>
+          <p:cNvCxnSpPr>
+            <a:cxnSpLocks/>
+          </p:cNvCxnSpPr>
+          <p:nvPr/>
+        </p:nvCxnSpPr>
+        <p:spPr>
+          <a:xfrm>
+            <a:off x="5685731" y="5563236"/>
+            <a:ext cx="720000" cy="0"/>
+          </a:xfrm>
+          <a:prstGeom prst="line">
+            <a:avLst/>
+          </a:prstGeom>
+          <a:ln w="28575"/>
+        </p:spPr>
+        <p:style>
+          <a:lnRef idx="2">
+            <a:schemeClr val="dk1"/>
+          </a:lnRef>
+          <a:fillRef idx="0">
+            <a:schemeClr val="dk1"/>
+          </a:fillRef>
+          <a:effectRef idx="1">
+            <a:schemeClr val="dk1"/>
+          </a:effectRef>
+          <a:fontRef idx="minor">
+            <a:schemeClr val="tx1"/>
+          </a:fontRef>
+        </p:style>
+      </p:cxnSp>
+      <p:cxnSp>
+        <p:nvCxnSpPr>
+          <p:cNvPr id="26" name="Straight Connector 25">
+            <a:extLst>
+              <a:ext uri="{FF2B5EF4-FFF2-40B4-BE49-F238E27FC236}">
+                <a16:creationId xmlns:a16="http://schemas.microsoft.com/office/drawing/2014/main" id="{9857F8E4-40EF-8D52-EED3-96DBDDE44D13}"/>
+              </a:ext>
+            </a:extLst>
+          </p:cNvPr>
+          <p:cNvCxnSpPr>
+            <a:cxnSpLocks/>
+          </p:cNvCxnSpPr>
+          <p:nvPr/>
+        </p:nvCxnSpPr>
+        <p:spPr>
+          <a:xfrm>
+            <a:off x="5685731" y="5423273"/>
+            <a:ext cx="720000" cy="0"/>
+          </a:xfrm>
+          <a:prstGeom prst="line">
+            <a:avLst/>
+          </a:prstGeom>
+          <a:ln w="28575"/>
+        </p:spPr>
+        <p:style>
+          <a:lnRef idx="2">
+            <a:schemeClr val="dk1"/>
+          </a:lnRef>
+          <a:fillRef idx="0">
+            <a:schemeClr val="dk1"/>
+          </a:fillRef>
+          <a:effectRef idx="1">
+            <a:schemeClr val="dk1"/>
+          </a:effectRef>
+          <a:fontRef idx="minor">
+            <a:schemeClr val="tx1"/>
+          </a:fontRef>
+        </p:style>
+      </p:cxnSp>
+      <p:cxnSp>
+        <p:nvCxnSpPr>
+          <p:cNvPr id="27" name="Straight Connector 26">
+            <a:extLst>
+              <a:ext uri="{FF2B5EF4-FFF2-40B4-BE49-F238E27FC236}">
+                <a16:creationId xmlns:a16="http://schemas.microsoft.com/office/drawing/2014/main" id="{F1F9F722-B177-E89F-51B8-43EC6860D852}"/>
+              </a:ext>
+            </a:extLst>
+          </p:cNvPr>
+          <p:cNvCxnSpPr>
+            <a:cxnSpLocks/>
+          </p:cNvCxnSpPr>
+          <p:nvPr/>
+        </p:nvCxnSpPr>
+        <p:spPr>
+          <a:xfrm>
+            <a:off x="5695592" y="5706307"/>
+            <a:ext cx="720000" cy="0"/>
+          </a:xfrm>
+          <a:prstGeom prst="line">
+            <a:avLst/>
+          </a:prstGeom>
+          <a:ln w="28575"/>
+        </p:spPr>
+        <p:style>
+          <a:lnRef idx="2">
+            <a:schemeClr val="dk1"/>
+          </a:lnRef>
+          <a:fillRef idx="0">
+            <a:schemeClr val="dk1"/>
+          </a:fillRef>
+          <a:effectRef idx="1">
+            <a:schemeClr val="dk1"/>
+          </a:effectRef>
+          <a:fontRef idx="minor">
+            <a:schemeClr val="tx1"/>
+          </a:fontRef>
+        </p:style>
+      </p:cxnSp>
+      <p:cxnSp>
+        <p:nvCxnSpPr>
+          <p:cNvPr id="28" name="Straight Connector 27">
+            <a:extLst>
+              <a:ext uri="{FF2B5EF4-FFF2-40B4-BE49-F238E27FC236}">
+                <a16:creationId xmlns:a16="http://schemas.microsoft.com/office/drawing/2014/main" id="{3BD027A6-0CA5-45CC-128D-CDB782AF713A}"/>
+              </a:ext>
+            </a:extLst>
+          </p:cNvPr>
+          <p:cNvCxnSpPr>
+            <a:cxnSpLocks/>
+          </p:cNvCxnSpPr>
+          <p:nvPr/>
+        </p:nvCxnSpPr>
+        <p:spPr>
+          <a:xfrm>
+            <a:off x="5980390" y="5125461"/>
+            <a:ext cx="0" cy="720000"/>
+          </a:xfrm>
+          <a:prstGeom prst="line">
+            <a:avLst/>
+          </a:prstGeom>
+          <a:ln w="28575"/>
+        </p:spPr>
+        <p:style>
+          <a:lnRef idx="2">
+            <a:schemeClr val="dk1"/>
+          </a:lnRef>
+          <a:fillRef idx="0">
+            <a:schemeClr val="dk1"/>
+          </a:fillRef>
+          <a:effectRef idx="1">
+            <a:schemeClr val="dk1"/>
+          </a:effectRef>
+          <a:fontRef idx="minor">
+            <a:schemeClr val="tx1"/>
+          </a:fontRef>
+        </p:style>
+      </p:cxnSp>
+      <p:cxnSp>
+        <p:nvCxnSpPr>
+          <p:cNvPr id="29" name="Straight Connector 28">
+            <a:extLst>
+              <a:ext uri="{FF2B5EF4-FFF2-40B4-BE49-F238E27FC236}">
+                <a16:creationId xmlns:a16="http://schemas.microsoft.com/office/drawing/2014/main" id="{E67D8555-815E-4A5C-033A-4178CF99E4DA}"/>
+              </a:ext>
+            </a:extLst>
+          </p:cNvPr>
+          <p:cNvCxnSpPr>
+            <a:cxnSpLocks/>
+          </p:cNvCxnSpPr>
+          <p:nvPr/>
+        </p:nvCxnSpPr>
+        <p:spPr>
+          <a:xfrm>
+            <a:off x="6278970" y="5125461"/>
+            <a:ext cx="0" cy="720000"/>
+          </a:xfrm>
+          <a:prstGeom prst="line">
+            <a:avLst/>
+          </a:prstGeom>
+          <a:ln w="28575"/>
+        </p:spPr>
+        <p:style>
+          <a:lnRef idx="2">
+            <a:schemeClr val="dk1"/>
+          </a:lnRef>
+          <a:fillRef idx="0">
+            <a:schemeClr val="dk1"/>
+          </a:fillRef>
+          <a:effectRef idx="1">
+            <a:schemeClr val="dk1"/>
+          </a:effectRef>
+          <a:fontRef idx="minor">
+            <a:schemeClr val="tx1"/>
+          </a:fontRef>
+        </p:style>
+      </p:cxnSp>
     </p:spTree>
     <p:extLst>
       <p:ext uri="{BB962C8B-B14F-4D97-AF65-F5344CB8AC3E}">
